--- a/nicolas/The Westbrook Project_progress.pptx
+++ b/nicolas/The Westbrook Project_progress.pptx
@@ -1003,7 +1003,7 @@
           <a:p>
             <a:fld id="{276D79ED-3FA7-4EF8-964B-EB8BCFAB02F8}" type="datetimeFigureOut">
               <a:rPr lang="en-US" smtClean="0"/>
-              <a:t>7/25/2019</a:t>
+              <a:t>7/27/2019</a:t>
             </a:fld>
             <a:endParaRPr lang="en-US"/>
           </a:p>
@@ -1181,7 +1181,7 @@
           <a:p>
             <a:fld id="{276D79ED-3FA7-4EF8-964B-EB8BCFAB02F8}" type="datetimeFigureOut">
               <a:rPr lang="en-US" smtClean="0"/>
-              <a:t>7/25/2019</a:t>
+              <a:t>7/27/2019</a:t>
             </a:fld>
             <a:endParaRPr lang="en-US"/>
           </a:p>
@@ -1427,7 +1427,7 @@
           <a:p>
             <a:fld id="{276D79ED-3FA7-4EF8-964B-EB8BCFAB02F8}" type="datetimeFigureOut">
               <a:rPr lang="en-US" smtClean="0"/>
-              <a:t>7/25/2019</a:t>
+              <a:t>7/27/2019</a:t>
             </a:fld>
             <a:endParaRPr lang="en-US"/>
           </a:p>
@@ -1658,7 +1658,7 @@
           <a:p>
             <a:fld id="{276D79ED-3FA7-4EF8-964B-EB8BCFAB02F8}" type="datetimeFigureOut">
               <a:rPr lang="en-US" smtClean="0"/>
-              <a:t>7/25/2019</a:t>
+              <a:t>7/27/2019</a:t>
             </a:fld>
             <a:endParaRPr lang="en-US"/>
           </a:p>
@@ -2022,7 +2022,7 @@
           <a:p>
             <a:fld id="{276D79ED-3FA7-4EF8-964B-EB8BCFAB02F8}" type="datetimeFigureOut">
               <a:rPr lang="en-US" smtClean="0"/>
-              <a:t>7/25/2019</a:t>
+              <a:t>7/27/2019</a:t>
             </a:fld>
             <a:endParaRPr lang="en-US"/>
           </a:p>
@@ -2139,7 +2139,7 @@
           <a:p>
             <a:fld id="{276D79ED-3FA7-4EF8-964B-EB8BCFAB02F8}" type="datetimeFigureOut">
               <a:rPr lang="en-US" smtClean="0"/>
-              <a:t>7/25/2019</a:t>
+              <a:t>7/27/2019</a:t>
             </a:fld>
             <a:endParaRPr lang="en-US"/>
           </a:p>
@@ -2234,7 +2234,7 @@
           <a:p>
             <a:fld id="{276D79ED-3FA7-4EF8-964B-EB8BCFAB02F8}" type="datetimeFigureOut">
               <a:rPr lang="en-US" smtClean="0"/>
-              <a:t>7/25/2019</a:t>
+              <a:t>7/27/2019</a:t>
             </a:fld>
             <a:endParaRPr lang="en-US"/>
           </a:p>
@@ -2510,7 +2510,7 @@
           <a:p>
             <a:fld id="{276D79ED-3FA7-4EF8-964B-EB8BCFAB02F8}" type="datetimeFigureOut">
               <a:rPr lang="en-US" smtClean="0"/>
-              <a:t>7/25/2019</a:t>
+              <a:t>7/27/2019</a:t>
             </a:fld>
             <a:endParaRPr lang="en-US"/>
           </a:p>
@@ -2766,7 +2766,7 @@
           <a:p>
             <a:fld id="{276D79ED-3FA7-4EF8-964B-EB8BCFAB02F8}" type="datetimeFigureOut">
               <a:rPr lang="en-US" smtClean="0"/>
-              <a:t>7/25/2019</a:t>
+              <a:t>7/27/2019</a:t>
             </a:fld>
             <a:endParaRPr lang="en-US"/>
           </a:p>
@@ -2985,7 +2985,7 @@
             <a:fld id="{276D79ED-3FA7-4EF8-964B-EB8BCFAB02F8}" type="datetimeFigureOut">
               <a:rPr lang="en-US" smtClean="0"/>
               <a:pPr/>
-              <a:t>7/25/2019</a:t>
+              <a:t>7/27/2019</a:t>
             </a:fld>
             <a:endParaRPr lang="en-US"/>
           </a:p>
@@ -3630,79 +3630,6 @@
           </a:p>
         </p:txBody>
       </p:sp>
-      <p:pic>
-        <p:nvPicPr>
-          <p:cNvPr id="7" name="Content Placeholder 6" descr="A close up of text on a white background&#10;&#10;Description automatically generated">
-            <a:extLst>
-              <a:ext uri="{FF2B5EF4-FFF2-40B4-BE49-F238E27FC236}">
-                <a16:creationId xmlns:a16="http://schemas.microsoft.com/office/drawing/2014/main" id="{8D1F87DE-7FDE-41D5-A7F6-C644872EBC06}"/>
-              </a:ext>
-            </a:extLst>
-          </p:cNvPr>
-          <p:cNvPicPr>
-            <a:picLocks noGrp="1" noChangeAspect="1"/>
-          </p:cNvPicPr>
-          <p:nvPr>
-            <p:ph sz="half" idx="2"/>
-          </p:nvPr>
-        </p:nvPicPr>
-        <p:blipFill>
-          <a:blip r:embed="rId2">
-            <a:extLst>
-              <a:ext uri="{28A0092B-C50C-407E-A947-70E740481C1C}">
-                <a14:useLocalDpi xmlns:a14="http://schemas.microsoft.com/office/drawing/2010/main" val="0"/>
-              </a:ext>
-            </a:extLst>
-          </a:blip>
-          <a:stretch>
-            <a:fillRect/>
-          </a:stretch>
-        </p:blipFill>
-        <p:spPr>
-          <a:xfrm>
-            <a:off x="4730750" y="2405327"/>
-            <a:ext cx="4297363" cy="2864908"/>
-          </a:xfrm>
-        </p:spPr>
-      </p:pic>
-      <p:pic>
-        <p:nvPicPr>
-          <p:cNvPr id="5" name="Content Placeholder 7" descr="A close up of a map&#10;&#10;Description automatically generated">
-            <a:extLst>
-              <a:ext uri="{FF2B5EF4-FFF2-40B4-BE49-F238E27FC236}">
-                <a16:creationId xmlns:a16="http://schemas.microsoft.com/office/drawing/2014/main" id="{E04B46EA-0ECD-473C-BF91-3AFBA431F2B5}"/>
-              </a:ext>
-            </a:extLst>
-          </p:cNvPr>
-          <p:cNvPicPr>
-            <a:picLocks noGrp="1" noChangeAspect="1"/>
-          </p:cNvPicPr>
-          <p:nvPr>
-            <p:ph sz="half" idx="1"/>
-          </p:nvPr>
-        </p:nvPicPr>
-        <p:blipFill>
-          <a:blip r:embed="rId3">
-            <a:extLst>
-              <a:ext uri="{28A0092B-C50C-407E-A947-70E740481C1C}">
-                <a14:useLocalDpi xmlns:a14="http://schemas.microsoft.com/office/drawing/2010/main" val="0"/>
-              </a:ext>
-            </a:extLst>
-          </a:blip>
-          <a:stretch>
-            <a:fillRect/>
-          </a:stretch>
-        </p:blipFill>
-        <p:spPr>
-          <a:xfrm>
-            <a:off x="404813" y="2435490"/>
-            <a:ext cx="4206875" cy="2804583"/>
-          </a:xfrm>
-          <a:prstGeom prst="rect">
-            <a:avLst/>
-          </a:prstGeom>
-        </p:spPr>
-      </p:pic>
       <p:sp>
         <p:nvSpPr>
           <p:cNvPr id="8" name="TextBox 7">
@@ -3738,6 +3665,100 @@
           </a:p>
         </p:txBody>
       </p:sp>
+      <p:pic>
+        <p:nvPicPr>
+          <p:cNvPr id="5126" name="Picture 6">
+            <a:extLst>
+              <a:ext uri="{FF2B5EF4-FFF2-40B4-BE49-F238E27FC236}">
+                <a16:creationId xmlns:a16="http://schemas.microsoft.com/office/drawing/2014/main" id="{DE7079D5-A63B-4694-9BBB-C47261AEE325}"/>
+              </a:ext>
+            </a:extLst>
+          </p:cNvPr>
+          <p:cNvPicPr>
+            <a:picLocks noChangeAspect="1" noChangeArrowheads="1"/>
+          </p:cNvPicPr>
+          <p:nvPr/>
+        </p:nvPicPr>
+        <p:blipFill>
+          <a:blip r:embed="rId2">
+            <a:extLst>
+              <a:ext uri="{28A0092B-C50C-407E-A947-70E740481C1C}">
+                <a14:useLocalDpi xmlns:a14="http://schemas.microsoft.com/office/drawing/2010/main" val="0"/>
+              </a:ext>
+            </a:extLst>
+          </a:blip>
+          <a:srcRect/>
+          <a:stretch>
+            <a:fillRect/>
+          </a:stretch>
+        </p:blipFill>
+        <p:spPr bwMode="auto">
+          <a:xfrm>
+            <a:off x="5351956" y="2064385"/>
+            <a:ext cx="3676650" cy="2952750"/>
+          </a:xfrm>
+          <a:prstGeom prst="rect">
+            <a:avLst/>
+          </a:prstGeom>
+          <a:noFill/>
+          <a:extLst>
+            <a:ext uri="{909E8E84-426E-40DD-AFC4-6F175D3DCCD1}">
+              <a14:hiddenFill xmlns:a14="http://schemas.microsoft.com/office/drawing/2010/main">
+                <a:solidFill>
+                  <a:srgbClr val="FFFFFF"/>
+                </a:solidFill>
+              </a14:hiddenFill>
+            </a:ext>
+          </a:extLst>
+        </p:spPr>
+      </p:pic>
+      <p:pic>
+        <p:nvPicPr>
+          <p:cNvPr id="5128" name="Picture 8">
+            <a:extLst>
+              <a:ext uri="{FF2B5EF4-FFF2-40B4-BE49-F238E27FC236}">
+                <a16:creationId xmlns:a16="http://schemas.microsoft.com/office/drawing/2014/main" id="{D02824FA-90C3-4CE7-8EE8-64D167993F94}"/>
+              </a:ext>
+            </a:extLst>
+          </p:cNvPr>
+          <p:cNvPicPr>
+            <a:picLocks noChangeAspect="1" noChangeArrowheads="1"/>
+          </p:cNvPicPr>
+          <p:nvPr/>
+        </p:nvPicPr>
+        <p:blipFill>
+          <a:blip r:embed="rId3">
+            <a:extLst>
+              <a:ext uri="{28A0092B-C50C-407E-A947-70E740481C1C}">
+                <a14:useLocalDpi xmlns:a14="http://schemas.microsoft.com/office/drawing/2010/main" val="0"/>
+              </a:ext>
+            </a:extLst>
+          </a:blip>
+          <a:srcRect/>
+          <a:stretch>
+            <a:fillRect/>
+          </a:stretch>
+        </p:blipFill>
+        <p:spPr bwMode="auto">
+          <a:xfrm>
+            <a:off x="782955" y="2064385"/>
+            <a:ext cx="3676650" cy="2952750"/>
+          </a:xfrm>
+          <a:prstGeom prst="rect">
+            <a:avLst/>
+          </a:prstGeom>
+          <a:noFill/>
+          <a:extLst>
+            <a:ext uri="{909E8E84-426E-40DD-AFC4-6F175D3DCCD1}">
+              <a14:hiddenFill xmlns:a14="http://schemas.microsoft.com/office/drawing/2010/main">
+                <a:solidFill>
+                  <a:srgbClr val="FFFFFF"/>
+                </a:solidFill>
+              </a14:hiddenFill>
+            </a:ext>
+          </a:extLst>
+        </p:spPr>
+      </p:pic>
     </p:spTree>
     <p:extLst>
       <p:ext uri="{BB962C8B-B14F-4D97-AF65-F5344CB8AC3E}">
@@ -3789,7 +3810,17 @@
           <a:bodyPr/>
           <a:lstStyle/>
           <a:p>
-            <a:endParaRPr lang="en-US"/>
+            <a:r>
+              <a:rPr lang="en-US" dirty="0"/>
+              <a:t>Results</a:t>
+            </a:r>
+            <a:br>
+              <a:rPr lang="en-US" dirty="0"/>
+            </a:br>
+            <a:r>
+              <a:rPr lang="en-US" dirty="0"/>
+              <a:t>Comparative Analysis</a:t>
+            </a:r>
           </a:p>
         </p:txBody>
       </p:sp>
@@ -3928,10 +3959,42 @@
           </a:xfrm>
         </p:spPr>
         <p:txBody>
-          <a:bodyPr/>
-          <a:lstStyle/>
-          <a:p>
-            <a:endParaRPr lang="en-US"/>
+          <a:bodyPr>
+            <a:normAutofit fontScale="92500" lnSpcReduction="10000"/>
+          </a:bodyPr>
+          <a:lstStyle/>
+          <a:p>
+            <a:r>
+              <a:rPr lang="en-US" dirty="0"/>
+              <a:t>Westbrook is the best fit for the Rockets at this stage of his career based on the data</a:t>
+            </a:r>
+          </a:p>
+          <a:p>
+            <a:r>
+              <a:rPr lang="en-US" dirty="0"/>
+              <a:t>At this point, he provides the most value based on his statistics on the offense and defensive side of the ball </a:t>
+            </a:r>
+          </a:p>
+          <a:p>
+            <a:r>
+              <a:rPr lang="en-US" dirty="0"/>
+              <a:t>He is a more accomplished scorer, rebounder, and provides more opportunities to his teammates through assists. </a:t>
+            </a:r>
+          </a:p>
+          <a:p>
+            <a:r>
+              <a:rPr lang="en-US" dirty="0"/>
+              <a:t>The statistical analysis shows us that an increase in team points correlates with a higher overall plus/minus. Russell can provide this increase and is an upgrade over Paul. </a:t>
+            </a:r>
+          </a:p>
+          <a:p>
+            <a:pPr marL="0" indent="0">
+              <a:buNone/>
+            </a:pPr>
+            <a:endParaRPr lang="en-US" dirty="0"/>
+          </a:p>
+          <a:p>
+            <a:endParaRPr lang="en-US" dirty="0"/>
           </a:p>
         </p:txBody>
       </p:sp>
@@ -4550,76 +4613,6 @@
           </a:p>
         </p:txBody>
       </p:sp>
-      <p:pic>
-        <p:nvPicPr>
-          <p:cNvPr id="9" name="Content Placeholder 8" descr="A close up of a map&#10;&#10;Description automatically generated">
-            <a:extLst>
-              <a:ext uri="{FF2B5EF4-FFF2-40B4-BE49-F238E27FC236}">
-                <a16:creationId xmlns:a16="http://schemas.microsoft.com/office/drawing/2014/main" id="{76A92AD5-1CE7-46F9-8F4F-F99BE6567A1C}"/>
-              </a:ext>
-            </a:extLst>
-          </p:cNvPr>
-          <p:cNvPicPr>
-            <a:picLocks noGrp="1" noChangeAspect="1"/>
-          </p:cNvPicPr>
-          <p:nvPr>
-            <p:ph sz="half" idx="1"/>
-          </p:nvPr>
-        </p:nvPicPr>
-        <p:blipFill>
-          <a:blip r:embed="rId2">
-            <a:extLst>
-              <a:ext uri="{28A0092B-C50C-407E-A947-70E740481C1C}">
-                <a14:useLocalDpi xmlns:a14="http://schemas.microsoft.com/office/drawing/2010/main" val="0"/>
-              </a:ext>
-            </a:extLst>
-          </a:blip>
-          <a:stretch>
-            <a:fillRect/>
-          </a:stretch>
-        </p:blipFill>
-        <p:spPr>
-          <a:xfrm>
-            <a:off x="404813" y="2435490"/>
-            <a:ext cx="4206875" cy="2804583"/>
-          </a:xfrm>
-        </p:spPr>
-      </p:pic>
-      <p:pic>
-        <p:nvPicPr>
-          <p:cNvPr id="18" name="Content Placeholder 7" descr="A close up of a map&#10;&#10;Description automatically generated">
-            <a:extLst>
-              <a:ext uri="{FF2B5EF4-FFF2-40B4-BE49-F238E27FC236}">
-                <a16:creationId xmlns:a16="http://schemas.microsoft.com/office/drawing/2014/main" id="{81A8006F-C431-4159-8EC3-FFAA05C782D3}"/>
-              </a:ext>
-            </a:extLst>
-          </p:cNvPr>
-          <p:cNvPicPr>
-            <a:picLocks noGrp="1" noChangeAspect="1"/>
-          </p:cNvPicPr>
-          <p:nvPr>
-            <p:ph sz="half" idx="2"/>
-          </p:nvPr>
-        </p:nvPicPr>
-        <p:blipFill>
-          <a:blip r:embed="rId3">
-            <a:extLst>
-              <a:ext uri="{28A0092B-C50C-407E-A947-70E740481C1C}">
-                <a14:useLocalDpi xmlns:a14="http://schemas.microsoft.com/office/drawing/2010/main" val="0"/>
-              </a:ext>
-            </a:extLst>
-          </a:blip>
-          <a:stretch>
-            <a:fillRect/>
-          </a:stretch>
-        </p:blipFill>
-        <p:spPr>
-          <a:xfrm>
-            <a:off x="4730750" y="2405327"/>
-            <a:ext cx="4297363" cy="2864908"/>
-          </a:xfrm>
-        </p:spPr>
-      </p:pic>
       <p:sp>
         <p:nvSpPr>
           <p:cNvPr id="19" name="TextBox 18">
@@ -4661,6 +4654,102 @@
           </a:p>
         </p:txBody>
       </p:sp>
+      <p:pic>
+        <p:nvPicPr>
+          <p:cNvPr id="1028" name="Picture 4">
+            <a:extLst>
+              <a:ext uri="{FF2B5EF4-FFF2-40B4-BE49-F238E27FC236}">
+                <a16:creationId xmlns:a16="http://schemas.microsoft.com/office/drawing/2014/main" id="{3E3EE485-D126-4159-B42C-E7039253D617}"/>
+              </a:ext>
+            </a:extLst>
+          </p:cNvPr>
+          <p:cNvPicPr>
+            <a:picLocks noGrp="1" noChangeAspect="1" noChangeArrowheads="1"/>
+          </p:cNvPicPr>
+          <p:nvPr>
+            <p:ph sz="half" idx="2"/>
+          </p:nvPr>
+        </p:nvPicPr>
+        <p:blipFill>
+          <a:blip r:embed="rId2">
+            <a:extLst>
+              <a:ext uri="{28A0092B-C50C-407E-A947-70E740481C1C}">
+                <a14:useLocalDpi xmlns:a14="http://schemas.microsoft.com/office/drawing/2010/main" val="0"/>
+              </a:ext>
+            </a:extLst>
+          </a:blip>
+          <a:srcRect/>
+          <a:stretch>
+            <a:fillRect/>
+          </a:stretch>
+        </p:blipFill>
+        <p:spPr bwMode="auto">
+          <a:xfrm>
+            <a:off x="4910456" y="2419451"/>
+            <a:ext cx="3857624" cy="3074198"/>
+          </a:xfrm>
+          <a:prstGeom prst="rect">
+            <a:avLst/>
+          </a:prstGeom>
+          <a:noFill/>
+          <a:extLst>
+            <a:ext uri="{909E8E84-426E-40DD-AFC4-6F175D3DCCD1}">
+              <a14:hiddenFill xmlns:a14="http://schemas.microsoft.com/office/drawing/2010/main">
+                <a:solidFill>
+                  <a:srgbClr val="FFFFFF"/>
+                </a:solidFill>
+              </a14:hiddenFill>
+            </a:ext>
+          </a:extLst>
+        </p:spPr>
+      </p:pic>
+      <p:pic>
+        <p:nvPicPr>
+          <p:cNvPr id="1030" name="Picture 6">
+            <a:extLst>
+              <a:ext uri="{FF2B5EF4-FFF2-40B4-BE49-F238E27FC236}">
+                <a16:creationId xmlns:a16="http://schemas.microsoft.com/office/drawing/2014/main" id="{7E71C607-B8F7-4383-9A4F-5581DF4D8FA5}"/>
+              </a:ext>
+            </a:extLst>
+          </p:cNvPr>
+          <p:cNvPicPr>
+            <a:picLocks noChangeAspect="1" noChangeArrowheads="1"/>
+          </p:cNvPicPr>
+          <p:nvPr/>
+        </p:nvPicPr>
+        <p:blipFill>
+          <a:blip r:embed="rId3">
+            <a:extLst>
+              <a:ext uri="{28A0092B-C50C-407E-A947-70E740481C1C}">
+                <a14:useLocalDpi xmlns:a14="http://schemas.microsoft.com/office/drawing/2010/main" val="0"/>
+              </a:ext>
+            </a:extLst>
+          </a:blip>
+          <a:srcRect/>
+          <a:stretch>
+            <a:fillRect/>
+          </a:stretch>
+        </p:blipFill>
+        <p:spPr bwMode="auto">
+          <a:xfrm>
+            <a:off x="900233" y="2427041"/>
+            <a:ext cx="3818422" cy="3066608"/>
+          </a:xfrm>
+          <a:prstGeom prst="rect">
+            <a:avLst/>
+          </a:prstGeom>
+          <a:noFill/>
+          <a:extLst>
+            <a:ext uri="{909E8E84-426E-40DD-AFC4-6F175D3DCCD1}">
+              <a14:hiddenFill xmlns:a14="http://schemas.microsoft.com/office/drawing/2010/main">
+                <a:solidFill>
+                  <a:srgbClr val="FFFFFF"/>
+                </a:solidFill>
+              </a14:hiddenFill>
+            </a:ext>
+          </a:extLst>
+        </p:spPr>
+      </p:pic>
     </p:spTree>
     <p:extLst>
       <p:ext uri="{BB962C8B-B14F-4D97-AF65-F5344CB8AC3E}">
@@ -4726,21 +4815,60 @@
           </a:p>
         </p:txBody>
       </p:sp>
+      <p:sp>
+        <p:nvSpPr>
+          <p:cNvPr id="8" name="TextBox 7">
+            <a:extLst>
+              <a:ext uri="{FF2B5EF4-FFF2-40B4-BE49-F238E27FC236}">
+                <a16:creationId xmlns:a16="http://schemas.microsoft.com/office/drawing/2014/main" id="{9047FF27-7518-4FCC-BBA2-53141E17E24B}"/>
+              </a:ext>
+            </a:extLst>
+          </p:cNvPr>
+          <p:cNvSpPr txBox="1"/>
+          <p:nvPr/>
+        </p:nvSpPr>
+        <p:spPr>
+          <a:xfrm>
+            <a:off x="646374" y="5637516"/>
+            <a:ext cx="7386457" cy="1323439"/>
+          </a:xfrm>
+          <a:prstGeom prst="rect">
+            <a:avLst/>
+          </a:prstGeom>
+          <a:noFill/>
+        </p:spPr>
+        <p:txBody>
+          <a:bodyPr wrap="square" rtlCol="0">
+            <a:spAutoFit/>
+          </a:bodyPr>
+          <a:lstStyle/>
+          <a:p>
+            <a:r>
+              <a:rPr lang="en-US" sz="2000" dirty="0"/>
+              <a:t>- Paul has clearly shown the ability to protect the ball and prevent turn-overs at the point guard position.</a:t>
+            </a:r>
+          </a:p>
+          <a:p>
+            <a:r>
+              <a:rPr lang="en-US" sz="2000" dirty="0"/>
+              <a:t>- Westbrook has been slowly improving, this is not his strong suit.</a:t>
+            </a:r>
+          </a:p>
+        </p:txBody>
+      </p:sp>
       <p:pic>
         <p:nvPicPr>
-          <p:cNvPr id="7" name="Content Placeholder 14" descr="A close up of a map&#10;&#10;Description automatically generated">
+          <p:cNvPr id="2052" name="Picture 4">
             <a:extLst>
               <a:ext uri="{FF2B5EF4-FFF2-40B4-BE49-F238E27FC236}">
-                <a16:creationId xmlns:a16="http://schemas.microsoft.com/office/drawing/2014/main" id="{B05354E6-C7AF-4123-A52B-35EC9B914C44}"/>
+                <a16:creationId xmlns:a16="http://schemas.microsoft.com/office/drawing/2014/main" id="{FA1AA0EB-4DE7-4198-9DE3-D4CF034BDFC4}"/>
               </a:ext>
             </a:extLst>
           </p:cNvPr>
           <p:cNvPicPr>
-            <a:picLocks noGrp="1" noChangeAspect="1"/>
+            <a:picLocks noChangeAspect="1" noChangeArrowheads="1"/>
           </p:cNvPicPr>
-          <p:nvPr>
-            <p:ph idx="1"/>
-          </p:nvPr>
+          <p:nvPr/>
         </p:nvPicPr>
         <p:blipFill>
           <a:blip r:embed="rId2">
@@ -4750,61 +4878,31 @@
               </a:ext>
             </a:extLst>
           </a:blip>
+          <a:srcRect/>
           <a:stretch>
             <a:fillRect/>
           </a:stretch>
         </p:blipFill>
-        <p:spPr>
+        <p:spPr bwMode="auto">
           <a:xfrm>
-            <a:off x="1972638" y="2165727"/>
-            <a:ext cx="5487650" cy="3658433"/>
-          </a:xfrm>
-          <a:prstGeom prst="rect">
-            <a:avLst/>
-          </a:prstGeom>
-        </p:spPr>
-      </p:pic>
-      <p:sp>
-        <p:nvSpPr>
-          <p:cNvPr id="8" name="TextBox 7">
-            <a:extLst>
-              <a:ext uri="{FF2B5EF4-FFF2-40B4-BE49-F238E27FC236}">
-                <a16:creationId xmlns:a16="http://schemas.microsoft.com/office/drawing/2014/main" id="{9047FF27-7518-4FCC-BBA2-53141E17E24B}"/>
-              </a:ext>
-            </a:extLst>
-          </p:cNvPr>
-          <p:cNvSpPr txBox="1"/>
-          <p:nvPr/>
-        </p:nvSpPr>
-        <p:spPr>
-          <a:xfrm>
-            <a:off x="646374" y="5739116"/>
-            <a:ext cx="7386457" cy="1015663"/>
+            <a:off x="2675185" y="2114054"/>
+            <a:ext cx="4083177" cy="3253946"/>
           </a:xfrm>
           <a:prstGeom prst="rect">
             <a:avLst/>
           </a:prstGeom>
           <a:noFill/>
+          <a:extLst>
+            <a:ext uri="{909E8E84-426E-40DD-AFC4-6F175D3DCCD1}">
+              <a14:hiddenFill xmlns:a14="http://schemas.microsoft.com/office/drawing/2010/main">
+                <a:solidFill>
+                  <a:srgbClr val="FFFFFF"/>
+                </a:solidFill>
+              </a14:hiddenFill>
+            </a:ext>
+          </a:extLst>
         </p:spPr>
-        <p:txBody>
-          <a:bodyPr wrap="square" rtlCol="0">
-            <a:spAutoFit/>
-          </a:bodyPr>
-          <a:lstStyle/>
-          <a:p>
-            <a:r>
-              <a:rPr lang="en-US" sz="2000" dirty="0"/>
-              <a:t>- Paul has clearly shown the ability of protecting the ball and preventing turn-overs at the point guard position.</a:t>
-            </a:r>
-          </a:p>
-          <a:p>
-            <a:r>
-              <a:rPr lang="en-US" sz="2000" dirty="0"/>
-              <a:t>- Westbrook has been slowly improving</a:t>
-            </a:r>
-          </a:p>
-        </p:txBody>
-      </p:sp>
+      </p:pic>
     </p:spTree>
     <p:extLst>
       <p:ext uri="{BB962C8B-B14F-4D97-AF65-F5344CB8AC3E}">
@@ -4870,76 +4968,6 @@
           </a:p>
         </p:txBody>
       </p:sp>
-      <p:pic>
-        <p:nvPicPr>
-          <p:cNvPr id="6" name="Content Placeholder 5" descr="A screenshot of a social media post&#10;&#10;Description automatically generated">
-            <a:extLst>
-              <a:ext uri="{FF2B5EF4-FFF2-40B4-BE49-F238E27FC236}">
-                <a16:creationId xmlns:a16="http://schemas.microsoft.com/office/drawing/2014/main" id="{BD3DDC3C-DBC9-47CD-92D2-B55AC983C892}"/>
-              </a:ext>
-            </a:extLst>
-          </p:cNvPr>
-          <p:cNvPicPr>
-            <a:picLocks noGrp="1" noChangeAspect="1"/>
-          </p:cNvPicPr>
-          <p:nvPr>
-            <p:ph sz="half" idx="2"/>
-          </p:nvPr>
-        </p:nvPicPr>
-        <p:blipFill>
-          <a:blip r:embed="rId2">
-            <a:extLst>
-              <a:ext uri="{28A0092B-C50C-407E-A947-70E740481C1C}">
-                <a14:useLocalDpi xmlns:a14="http://schemas.microsoft.com/office/drawing/2010/main" val="0"/>
-              </a:ext>
-            </a:extLst>
-          </a:blip>
-          <a:stretch>
-            <a:fillRect/>
-          </a:stretch>
-        </p:blipFill>
-        <p:spPr>
-          <a:xfrm>
-            <a:off x="4730750" y="2405327"/>
-            <a:ext cx="4297363" cy="2864908"/>
-          </a:xfrm>
-        </p:spPr>
-      </p:pic>
-      <p:pic>
-        <p:nvPicPr>
-          <p:cNvPr id="9" name="Content Placeholder 8" descr="A close up of text on a white background&#10;&#10;Description automatically generated">
-            <a:extLst>
-              <a:ext uri="{FF2B5EF4-FFF2-40B4-BE49-F238E27FC236}">
-                <a16:creationId xmlns:a16="http://schemas.microsoft.com/office/drawing/2014/main" id="{EA4C29E1-52FE-4265-A8F1-4DAEC9CA29B2}"/>
-              </a:ext>
-            </a:extLst>
-          </p:cNvPr>
-          <p:cNvPicPr>
-            <a:picLocks noGrp="1" noChangeAspect="1"/>
-          </p:cNvPicPr>
-          <p:nvPr>
-            <p:ph sz="half" idx="1"/>
-          </p:nvPr>
-        </p:nvPicPr>
-        <p:blipFill>
-          <a:blip r:embed="rId3">
-            <a:extLst>
-              <a:ext uri="{28A0092B-C50C-407E-A947-70E740481C1C}">
-                <a14:useLocalDpi xmlns:a14="http://schemas.microsoft.com/office/drawing/2010/main" val="0"/>
-              </a:ext>
-            </a:extLst>
-          </a:blip>
-          <a:stretch>
-            <a:fillRect/>
-          </a:stretch>
-        </p:blipFill>
-        <p:spPr>
-          <a:xfrm>
-            <a:off x="404813" y="2435490"/>
-            <a:ext cx="4206875" cy="2804583"/>
-          </a:xfrm>
-        </p:spPr>
-      </p:pic>
       <p:sp>
         <p:nvSpPr>
           <p:cNvPr id="10" name="TextBox 9">
@@ -4970,17 +4998,111 @@
           <a:p>
             <a:r>
               <a:rPr lang="en-US" sz="2000" dirty="0"/>
-              <a:t>Westbrook is a more prolific score</a:t>
+              <a:t>- Westbrook is a more prolific scorer</a:t>
             </a:r>
           </a:p>
           <a:p>
             <a:r>
               <a:rPr lang="en-US" sz="2000" dirty="0"/>
-              <a:t>Paul is a more accurate shooter</a:t>
-            </a:r>
-          </a:p>
-        </p:txBody>
-      </p:sp>
+              <a:t>- Paul is a more accurate shooter</a:t>
+            </a:r>
+          </a:p>
+        </p:txBody>
+      </p:sp>
+      <p:pic>
+        <p:nvPicPr>
+          <p:cNvPr id="4098" name="Picture 2">
+            <a:extLst>
+              <a:ext uri="{FF2B5EF4-FFF2-40B4-BE49-F238E27FC236}">
+                <a16:creationId xmlns:a16="http://schemas.microsoft.com/office/drawing/2014/main" id="{C479F6EF-6A9C-40FF-8A07-5547ED016267}"/>
+              </a:ext>
+            </a:extLst>
+          </p:cNvPr>
+          <p:cNvPicPr>
+            <a:picLocks noChangeAspect="1" noChangeArrowheads="1"/>
+          </p:cNvPicPr>
+          <p:nvPr/>
+        </p:nvPicPr>
+        <p:blipFill>
+          <a:blip r:embed="rId2">
+            <a:extLst>
+              <a:ext uri="{28A0092B-C50C-407E-A947-70E740481C1C}">
+                <a14:useLocalDpi xmlns:a14="http://schemas.microsoft.com/office/drawing/2010/main" val="0"/>
+              </a:ext>
+            </a:extLst>
+          </a:blip>
+          <a:srcRect/>
+          <a:stretch>
+            <a:fillRect/>
+          </a:stretch>
+        </p:blipFill>
+        <p:spPr bwMode="auto">
+          <a:xfrm>
+            <a:off x="600075" y="2162312"/>
+            <a:ext cx="3705225" cy="2952750"/>
+          </a:xfrm>
+          <a:prstGeom prst="rect">
+            <a:avLst/>
+          </a:prstGeom>
+          <a:noFill/>
+          <a:extLst>
+            <a:ext uri="{909E8E84-426E-40DD-AFC4-6F175D3DCCD1}">
+              <a14:hiddenFill xmlns:a14="http://schemas.microsoft.com/office/drawing/2010/main">
+                <a:solidFill>
+                  <a:srgbClr val="FFFFFF"/>
+                </a:solidFill>
+              </a14:hiddenFill>
+            </a:ext>
+          </a:extLst>
+        </p:spPr>
+      </p:pic>
+      <p:pic>
+        <p:nvPicPr>
+          <p:cNvPr id="4102" name="Picture 6">
+            <a:extLst>
+              <a:ext uri="{FF2B5EF4-FFF2-40B4-BE49-F238E27FC236}">
+                <a16:creationId xmlns:a16="http://schemas.microsoft.com/office/drawing/2014/main" id="{BB204DE5-7030-4C6F-87CD-D1F043CA01F1}"/>
+              </a:ext>
+            </a:extLst>
+          </p:cNvPr>
+          <p:cNvPicPr>
+            <a:picLocks noChangeAspect="1" noChangeArrowheads="1"/>
+          </p:cNvPicPr>
+          <p:nvPr/>
+        </p:nvPicPr>
+        <p:blipFill>
+          <a:blip r:embed="rId3">
+            <a:extLst>
+              <a:ext uri="{28A0092B-C50C-407E-A947-70E740481C1C}">
+                <a14:useLocalDpi xmlns:a14="http://schemas.microsoft.com/office/drawing/2010/main" val="0"/>
+              </a:ext>
+            </a:extLst>
+          </a:blip>
+          <a:srcRect/>
+          <a:stretch>
+            <a:fillRect/>
+          </a:stretch>
+        </p:blipFill>
+        <p:spPr bwMode="auto">
+          <a:xfrm>
+            <a:off x="4966653" y="2162312"/>
+            <a:ext cx="3762375" cy="2952750"/>
+          </a:xfrm>
+          <a:prstGeom prst="rect">
+            <a:avLst/>
+          </a:prstGeom>
+          <a:noFill/>
+          <a:extLst>
+            <a:ext uri="{909E8E84-426E-40DD-AFC4-6F175D3DCCD1}">
+              <a14:hiddenFill xmlns:a14="http://schemas.microsoft.com/office/drawing/2010/main">
+                <a:solidFill>
+                  <a:srgbClr val="FFFFFF"/>
+                </a:solidFill>
+              </a14:hiddenFill>
+            </a:ext>
+          </a:extLst>
+        </p:spPr>
+      </p:pic>
     </p:spTree>
     <p:extLst>
       <p:ext uri="{BB962C8B-B14F-4D97-AF65-F5344CB8AC3E}">
@@ -5043,21 +5165,60 @@
           </a:p>
         </p:txBody>
       </p:sp>
+      <p:sp>
+        <p:nvSpPr>
+          <p:cNvPr id="15" name="TextBox 14">
+            <a:extLst>
+              <a:ext uri="{FF2B5EF4-FFF2-40B4-BE49-F238E27FC236}">
+                <a16:creationId xmlns:a16="http://schemas.microsoft.com/office/drawing/2014/main" id="{7E5D80D6-8A4D-4CF0-8989-29D70C0127C5}"/>
+              </a:ext>
+            </a:extLst>
+          </p:cNvPr>
+          <p:cNvSpPr txBox="1"/>
+          <p:nvPr/>
+        </p:nvSpPr>
+        <p:spPr>
+          <a:xfrm>
+            <a:off x="4743966" y="4585828"/>
+            <a:ext cx="4851447" cy="1631216"/>
+          </a:xfrm>
+          <a:prstGeom prst="rect">
+            <a:avLst/>
+          </a:prstGeom>
+          <a:noFill/>
+        </p:spPr>
+        <p:txBody>
+          <a:bodyPr wrap="square" rtlCol="0">
+            <a:spAutoFit/>
+          </a:bodyPr>
+          <a:lstStyle/>
+          <a:p>
+            <a:r>
+              <a:rPr lang="en-US" sz="2000" dirty="0"/>
+              <a:t>Westbrook outperforms Paul in blocks and rebounds</a:t>
+            </a:r>
+          </a:p>
+          <a:p>
+            <a:r>
+              <a:rPr lang="en-US" sz="2000" dirty="0"/>
+              <a:t>Paul has been able to accumulate more steals over his career, however they were tied at the age of 30</a:t>
+            </a:r>
+          </a:p>
+        </p:txBody>
+      </p:sp>
       <p:pic>
         <p:nvPicPr>
-          <p:cNvPr id="6" name="Content Placeholder 5" descr="A close up of a map&#10;&#10;Description automatically generated">
+          <p:cNvPr id="9" name="Picture 2">
             <a:extLst>
               <a:ext uri="{FF2B5EF4-FFF2-40B4-BE49-F238E27FC236}">
-                <a16:creationId xmlns:a16="http://schemas.microsoft.com/office/drawing/2014/main" id="{86041819-A706-4B98-BB91-ECF062E9F78F}"/>
+                <a16:creationId xmlns:a16="http://schemas.microsoft.com/office/drawing/2014/main" id="{B46BE4FA-FB6A-48F5-86BF-DF4832B7F741}"/>
               </a:ext>
             </a:extLst>
           </p:cNvPr>
           <p:cNvPicPr>
-            <a:picLocks noGrp="1" noChangeAspect="1"/>
+            <a:picLocks noChangeAspect="1" noChangeArrowheads="1"/>
           </p:cNvPicPr>
-          <p:nvPr>
-            <p:ph sz="half" idx="1"/>
-          </p:nvPr>
+          <p:nvPr/>
         </p:nvPicPr>
         <p:blipFill>
           <a:blip r:embed="rId2">
@@ -5067,32 +5228,44 @@
               </a:ext>
             </a:extLst>
           </a:blip>
+          <a:srcRect/>
           <a:stretch>
             <a:fillRect/>
           </a:stretch>
         </p:blipFill>
-        <p:spPr>
+        <p:spPr bwMode="auto">
           <a:xfrm>
-            <a:off x="242883" y="1276282"/>
-            <a:ext cx="4206875" cy="2804583"/>
+            <a:off x="535518" y="1080157"/>
+            <a:ext cx="3762375" cy="2952750"/>
           </a:xfrm>
+          <a:prstGeom prst="rect">
+            <a:avLst/>
+          </a:prstGeom>
+          <a:noFill/>
+          <a:extLst>
+            <a:ext uri="{909E8E84-426E-40DD-AFC4-6F175D3DCCD1}">
+              <a14:hiddenFill xmlns:a14="http://schemas.microsoft.com/office/drawing/2010/main">
+                <a:solidFill>
+                  <a:srgbClr val="FFFFFF"/>
+                </a:solidFill>
+              </a14:hiddenFill>
+            </a:ext>
+          </a:extLst>
         </p:spPr>
       </p:pic>
       <p:pic>
         <p:nvPicPr>
-          <p:cNvPr id="13" name="Content Placeholder 5" descr="A screenshot of a cell phone&#10;&#10;Description automatically generated">
+          <p:cNvPr id="3074" name="Picture 2">
             <a:extLst>
               <a:ext uri="{FF2B5EF4-FFF2-40B4-BE49-F238E27FC236}">
-                <a16:creationId xmlns:a16="http://schemas.microsoft.com/office/drawing/2014/main" id="{471C3B17-FD60-4F80-B6C4-E8539FCAABF8}"/>
+                <a16:creationId xmlns:a16="http://schemas.microsoft.com/office/drawing/2014/main" id="{8D10266C-0E1C-48BC-B89B-79D778591553}"/>
               </a:ext>
             </a:extLst>
           </p:cNvPr>
           <p:cNvPicPr>
-            <a:picLocks noGrp="1" noChangeAspect="1"/>
+            <a:picLocks noChangeAspect="1" noChangeArrowheads="1"/>
           </p:cNvPicPr>
-          <p:nvPr>
-            <p:ph sz="half" idx="2"/>
-          </p:nvPr>
+          <p:nvPr/>
         </p:nvPicPr>
         <p:blipFill>
           <a:blip r:embed="rId3">
@@ -5102,28 +5275,42 @@
               </a:ext>
             </a:extLst>
           </a:blip>
+          <a:srcRect/>
           <a:stretch>
             <a:fillRect/>
           </a:stretch>
         </p:blipFill>
-        <p:spPr>
+        <p:spPr bwMode="auto">
           <a:xfrm>
-            <a:off x="5548316" y="1246120"/>
-            <a:ext cx="4297363" cy="2864908"/>
+            <a:off x="5331364" y="1080157"/>
+            <a:ext cx="3676650" cy="2952750"/>
           </a:xfrm>
+          <a:prstGeom prst="rect">
+            <a:avLst/>
+          </a:prstGeom>
+          <a:noFill/>
+          <a:extLst>
+            <a:ext uri="{909E8E84-426E-40DD-AFC4-6F175D3DCCD1}">
+              <a14:hiddenFill xmlns:a14="http://schemas.microsoft.com/office/drawing/2010/main">
+                <a:solidFill>
+                  <a:srgbClr val="FFFFFF"/>
+                </a:solidFill>
+              </a14:hiddenFill>
+            </a:ext>
+          </a:extLst>
         </p:spPr>
       </p:pic>
       <p:pic>
         <p:nvPicPr>
-          <p:cNvPr id="14" name="Content Placeholder 7" descr="A close up of a map&#10;&#10;Description automatically generated">
+          <p:cNvPr id="3078" name="Picture 6">
             <a:extLst>
               <a:ext uri="{FF2B5EF4-FFF2-40B4-BE49-F238E27FC236}">
-                <a16:creationId xmlns:a16="http://schemas.microsoft.com/office/drawing/2014/main" id="{892DCE2B-E76C-4DCF-B897-43D9DEE911FE}"/>
+                <a16:creationId xmlns:a16="http://schemas.microsoft.com/office/drawing/2014/main" id="{B144D414-7DF3-4D3E-8DCA-F241D320F2AB}"/>
               </a:ext>
             </a:extLst>
           </p:cNvPr>
           <p:cNvPicPr>
-            <a:picLocks noChangeAspect="1"/>
+            <a:picLocks noChangeAspect="1" noChangeArrowheads="1"/>
           </p:cNvPicPr>
           <p:nvPr/>
         </p:nvPicPr>
@@ -5135,61 +5322,31 @@
               </a:ext>
             </a:extLst>
           </a:blip>
+          <a:srcRect/>
           <a:stretch>
             <a:fillRect/>
           </a:stretch>
         </p:blipFill>
-        <p:spPr>
+        <p:spPr bwMode="auto">
           <a:xfrm>
-            <a:off x="242883" y="4111028"/>
-            <a:ext cx="4297363" cy="2864908"/>
-          </a:xfrm>
-          <a:prstGeom prst="rect">
-            <a:avLst/>
-          </a:prstGeom>
-        </p:spPr>
-      </p:pic>
-      <p:sp>
-        <p:nvSpPr>
-          <p:cNvPr id="15" name="TextBox 14">
-            <a:extLst>
-              <a:ext uri="{FF2B5EF4-FFF2-40B4-BE49-F238E27FC236}">
-                <a16:creationId xmlns:a16="http://schemas.microsoft.com/office/drawing/2014/main" id="{7E5D80D6-8A4D-4CF0-8989-29D70C0127C5}"/>
-              </a:ext>
-            </a:extLst>
-          </p:cNvPr>
-          <p:cNvSpPr txBox="1"/>
-          <p:nvPr/>
-        </p:nvSpPr>
-        <p:spPr>
-          <a:xfrm>
-            <a:off x="4743966" y="4585828"/>
-            <a:ext cx="4851447" cy="1631216"/>
+            <a:off x="723243" y="4032907"/>
+            <a:ext cx="3574650" cy="2848693"/>
           </a:xfrm>
           <a:prstGeom prst="rect">
             <a:avLst/>
           </a:prstGeom>
           <a:noFill/>
+          <a:extLst>
+            <a:ext uri="{909E8E84-426E-40DD-AFC4-6F175D3DCCD1}">
+              <a14:hiddenFill xmlns:a14="http://schemas.microsoft.com/office/drawing/2010/main">
+                <a:solidFill>
+                  <a:srgbClr val="FFFFFF"/>
+                </a:solidFill>
+              </a14:hiddenFill>
+            </a:ext>
+          </a:extLst>
         </p:spPr>
-        <p:txBody>
-          <a:bodyPr wrap="square" rtlCol="0">
-            <a:spAutoFit/>
-          </a:bodyPr>
-          <a:lstStyle/>
-          <a:p>
-            <a:r>
-              <a:rPr lang="en-US" sz="2000" dirty="0"/>
-              <a:t>Westbrook outperforms Paul in blocks and rebounds</a:t>
-            </a:r>
-          </a:p>
-          <a:p>
-            <a:r>
-              <a:rPr lang="en-US" sz="2000" dirty="0"/>
-              <a:t>Paul has been able to accumulate more steals over his career, however they were tied at the age of 30</a:t>
-            </a:r>
-          </a:p>
-        </p:txBody>
-      </p:sp>
+      </p:pic>
     </p:spTree>
     <p:extLst>
       <p:ext uri="{BB962C8B-B14F-4D97-AF65-F5344CB8AC3E}">
